--- a/gjj/2020年终述职/智能平台实验室+刘琦+述职.pptx
+++ b/gjj/2020年终述职/智能平台实验室+刘琦+述职.pptx
@@ -251,7 +251,7 @@
           <a:p>
             <a:fld id="{5D1C15E6-6BD2-4E4B-B1D4-218C26E1B228}" type="datetimeFigureOut">
               <a:rPr lang="zh-CN" altLang="en-US" smtClean="0"/>
-              <a:t>2021/1/20</a:t>
+              <a:t>2021/1/27</a:t>
             </a:fld>
             <a:endParaRPr lang="zh-CN" altLang="en-US"/>
           </a:p>
@@ -416,7 +416,7 @@
           <a:p>
             <a:fld id="{0B17430C-5A66-4BD0-A971-34190B6C6019}" type="datetimeFigureOut">
               <a:rPr lang="zh-CN" altLang="en-US" smtClean="0"/>
-              <a:t>2021/1/20</a:t>
+              <a:t>2021/1/27</a:t>
             </a:fld>
             <a:endParaRPr lang="zh-CN" altLang="en-US"/>
           </a:p>
@@ -4112,8 +4112,8 @@
         </p:nvSpPr>
         <p:spPr>
           <a:xfrm>
-            <a:off x="5864896" y="4778722"/>
-            <a:ext cx="2531428" cy="384705"/>
+            <a:off x="5807989" y="4778722"/>
+            <a:ext cx="2645242" cy="384705"/>
           </a:xfrm>
           <a:prstGeom prst="rect">
             <a:avLst/>
@@ -4193,7 +4193,7 @@
               <a:t>月</a:t>
             </a:r>
             <a:r>
-              <a:rPr lang="en-US" altLang="zh-CN" sz="1900" dirty="0">
+              <a:rPr lang="en-US" altLang="zh-CN" sz="1900">
                 <a:solidFill>
                   <a:schemeClr val="tx1">
                     <a:lumMod val="85000"/>
@@ -4203,10 +4203,10 @@
                 <a:latin typeface="微软雅黑" pitchFamily="34" charset="-122"/>
                 <a:ea typeface="微软雅黑" pitchFamily="34" charset="-122"/>
               </a:rPr>
-              <a:t>X</a:t>
+              <a:t>22</a:t>
             </a:r>
             <a:r>
-              <a:rPr lang="zh-CN" altLang="en-US" sz="1900" dirty="0">
+              <a:rPr lang="zh-CN" altLang="en-US" sz="1900">
                 <a:solidFill>
                   <a:schemeClr val="tx1">
                     <a:lumMod val="85000"/>
@@ -12300,7 +12300,7 @@
         </p:nvCxnSpPr>
         <p:spPr>
           <a:xfrm>
-            <a:off x="4446580" y="5828096"/>
+            <a:off x="4446580" y="6094090"/>
             <a:ext cx="6833202" cy="0"/>
           </a:xfrm>
           <a:prstGeom prst="line">
@@ -18890,7 +18890,7 @@
             <p:spPr>
               <a:xfrm>
                 <a:off x="5284317" y="2911032"/>
-                <a:ext cx="761493" cy="241084"/>
+                <a:ext cx="1078781" cy="241084"/>
               </a:xfrm>
               <a:prstGeom prst="rect">
                 <a:avLst/>
@@ -18919,7 +18919,7 @@
                     <a:latin typeface="微软雅黑" panose="020B0503020204020204" pitchFamily="34" charset="-122"/>
                     <a:ea typeface="微软雅黑" panose="020B0503020204020204" pitchFamily="34" charset="-122"/>
                   </a:rPr>
-                  <a:t>项目切换</a:t>
+                  <a:t>项目切换建议</a:t>
                 </a:r>
                 <a:endParaRPr lang="en-US" altLang="zh-CN" sz="1800" kern="0" dirty="0">
                   <a:solidFill>
@@ -19114,7 +19114,7 @@
             <p:spPr>
               <a:xfrm>
                 <a:off x="5284317" y="2911032"/>
-                <a:ext cx="761493" cy="241084"/>
+                <a:ext cx="1078781" cy="241084"/>
               </a:xfrm>
               <a:prstGeom prst="rect">
                 <a:avLst/>
@@ -19143,7 +19143,7 @@
                     <a:latin typeface="微软雅黑" panose="020B0503020204020204" pitchFamily="34" charset="-122"/>
                     <a:ea typeface="微软雅黑" panose="020B0503020204020204" pitchFamily="34" charset="-122"/>
                   </a:rPr>
-                  <a:t>人员分配</a:t>
+                  <a:t>人员分配建议</a:t>
                 </a:r>
                 <a:endParaRPr lang="en-US" altLang="zh-CN" sz="1800" kern="0" dirty="0">
                   <a:solidFill>
@@ -19199,7 +19199,7 @@
                     <a:latin typeface="微软雅黑" panose="020B0503020204020204" pitchFamily="34" charset="-122"/>
                     <a:ea typeface="微软雅黑" panose="020B0503020204020204" pitchFamily="34" charset="-122"/>
                   </a:rPr>
-                  <a:t>有必要的情况下，至少两人一组合作开发</a:t>
+                  <a:t>条件允许的情况下，至少两人一组合作开发</a:t>
                 </a:r>
                 <a:endParaRPr lang="en-US" altLang="zh-CN" sz="1400" kern="0" dirty="0">
                   <a:solidFill>
@@ -19338,7 +19338,7 @@
             <p:spPr>
               <a:xfrm>
                 <a:off x="5284317" y="2911032"/>
-                <a:ext cx="761493" cy="241084"/>
+                <a:ext cx="1078781" cy="241084"/>
               </a:xfrm>
               <a:prstGeom prst="rect">
                 <a:avLst/>
@@ -19367,7 +19367,7 @@
                     <a:latin typeface="微软雅黑" panose="020B0503020204020204" pitchFamily="34" charset="-122"/>
                     <a:ea typeface="微软雅黑" panose="020B0503020204020204" pitchFamily="34" charset="-122"/>
                   </a:rPr>
-                  <a:t>技术老旧</a:t>
+                  <a:t>技术老旧建议</a:t>
                 </a:r>
                 <a:endParaRPr lang="en-US" altLang="zh-CN" sz="1800" kern="0" dirty="0">
                   <a:solidFill>
@@ -21873,7 +21873,7 @@
                 </a:solidFill>
                 <a:latin typeface="微软雅黑" pitchFamily="34" charset="-122"/>
               </a:rPr>
-              <a:t>岗位问题</a:t>
+              <a:t>工作不足</a:t>
             </a:r>
             <a:endParaRPr lang="en-US" altLang="zh-CN" sz="2800" b="1" dirty="0">
               <a:solidFill>
@@ -31798,8 +31798,8 @@
         </p:nvSpPr>
         <p:spPr>
           <a:xfrm>
-            <a:off x="5864897" y="4778722"/>
-            <a:ext cx="2531428" cy="384705"/>
+            <a:off x="5807990" y="4778722"/>
+            <a:ext cx="2645242" cy="384705"/>
           </a:xfrm>
           <a:prstGeom prst="rect">
             <a:avLst/>
@@ -31889,7 +31889,7 @@
                 <a:latin typeface="微软雅黑" pitchFamily="34" charset="-122"/>
                 <a:ea typeface="微软雅黑" pitchFamily="34" charset="-122"/>
               </a:rPr>
-              <a:t>X</a:t>
+              <a:t>22</a:t>
             </a:r>
             <a:r>
               <a:rPr lang="zh-CN" altLang="en-US" sz="1900" dirty="0">
